--- a/documentation/Презентация_4print.pptx
+++ b/documentation/Презентация_4print.pptx
@@ -266,7 +266,7 @@
               <a:pPr>
                 <a:defRPr/>
               </a:pPr>
-              <a:t>24.05.2012</a:t>
+              <a:t>25.05.2012</a:t>
             </a:fld>
             <a:endParaRPr lang="ru-RU"/>
           </a:p>
@@ -489,7 +489,7 @@
               <a:pPr>
                 <a:defRPr/>
               </a:pPr>
-              <a:t>24.05.2012</a:t>
+              <a:t>25.05.2012</a:t>
             </a:fld>
             <a:endParaRPr lang="ru-RU"/>
           </a:p>
@@ -7884,13 +7884,8 @@
             <a:pPr eaLnBrk="1" hangingPunct="1"/>
             <a:r>
               <a:rPr lang="ru-RU" dirty="0" smtClean="0"/>
-              <a:t>Описание гасителя пульсаций </a:t>
-            </a:r>
-            <a:r>
-              <a:rPr lang="ru-RU" dirty="0" smtClean="0"/>
-              <a:t>давлений</a:t>
-            </a:r>
-            <a:endParaRPr lang="ru-RU" dirty="0" smtClean="0"/>
+              <a:t>Описание гасителя пульсаций давлений</a:t>
+            </a:r>
           </a:p>
         </p:txBody>
       </p:sp>
@@ -8402,7 +8397,7 @@
           <a:graphicData uri="http://schemas.openxmlformats.org/presentationml/2006/ole">
             <mc:AlternateContent xmlns:mc="http://schemas.openxmlformats.org/markup-compatibility/2006">
               <mc:Choice xmlns:v="urn:schemas-microsoft-com:vml" Requires="v">
-                <p:oleObj spid="_x0000_s7715" name="Формула" r:id="rId5" imgW="977900" imgH="228600" progId="Equation.3">
+                <p:oleObj spid="_x0000_s7718" name="Формула" r:id="rId5" imgW="977900" imgH="228600" progId="Equation.3">
                   <p:embed/>
                 </p:oleObj>
               </mc:Choice>
@@ -8545,7 +8540,7 @@
           <a:graphicData uri="http://schemas.openxmlformats.org/presentationml/2006/ole">
             <mc:AlternateContent xmlns:mc="http://schemas.openxmlformats.org/markup-compatibility/2006">
               <mc:Choice xmlns:v="urn:schemas-microsoft-com:vml" Requires="v">
-                <p:oleObj spid="_x0000_s7716" name="Формула" r:id="rId7" imgW="444307" imgH="368140" progId="Equation.3">
+                <p:oleObj spid="_x0000_s7719" name="Формула" r:id="rId7" imgW="444307" imgH="368140" progId="Equation.3">
                   <p:embed/>
                 </p:oleObj>
               </mc:Choice>
@@ -9381,7 +9376,7 @@
           <a:graphicData uri="http://schemas.openxmlformats.org/presentationml/2006/ole">
             <mc:AlternateContent xmlns:mc="http://schemas.openxmlformats.org/markup-compatibility/2006">
               <mc:Choice xmlns:v="urn:schemas-microsoft-com:vml" Requires="v">
-                <p:oleObj spid="_x0000_s7717" name="Формула" r:id="rId9" imgW="1129810" imgH="495085" progId="Equation.3">
+                <p:oleObj spid="_x0000_s7720" name="Формула" r:id="rId9" imgW="1129810" imgH="495085" progId="Equation.3">
                   <p:embed/>
                 </p:oleObj>
               </mc:Choice>
@@ -9497,11 +9492,7 @@
           <a:p>
             <a:r>
               <a:rPr lang="ru-RU" sz="2800" dirty="0" smtClean="0"/>
-              <a:t>Постановка задачи глобальной </a:t>
-            </a:r>
-            <a:r>
-              <a:rPr lang="ru-RU" sz="2800" dirty="0" smtClean="0"/>
-              <a:t>оптимизации</a:t>
+              <a:t>Постановка задачи глобальной оптимизации</a:t>
             </a:r>
             <a:r>
               <a:rPr lang="en-US" sz="2800" dirty="0" smtClean="0"/>
@@ -9511,7 +9502,6 @@
               <a:rPr lang="ru-RU" sz="2800" dirty="0" smtClean="0"/>
               <a:t>для гасителя пульсаций давлений</a:t>
             </a:r>
-            <a:endParaRPr lang="ru-RU" sz="2800" dirty="0" smtClean="0"/>
           </a:p>
         </p:txBody>
       </p:sp>
@@ -11036,7 +11026,7 @@
           <a:graphicData uri="http://schemas.openxmlformats.org/presentationml/2006/ole">
             <mc:AlternateContent xmlns:mc="http://schemas.openxmlformats.org/markup-compatibility/2006">
               <mc:Choice xmlns:v="urn:schemas-microsoft-com:vml" Requires="v">
-                <p:oleObj spid="_x0000_s11435" name="Формула" r:id="rId5" imgW="1955800" imgH="393700" progId="Equation.3">
+                <p:oleObj spid="_x0000_s11440" name="Формула" r:id="rId5" imgW="1955800" imgH="393700" progId="Equation.3">
                   <p:embed/>
                 </p:oleObj>
               </mc:Choice>
@@ -11175,7 +11165,7 @@
           <a:graphicData uri="http://schemas.openxmlformats.org/presentationml/2006/ole">
             <mc:AlternateContent xmlns:mc="http://schemas.openxmlformats.org/markup-compatibility/2006">
               <mc:Choice xmlns:v="urn:schemas-microsoft-com:vml" Requires="v">
-                <p:oleObj spid="_x0000_s11436" name="Формула" r:id="rId7" imgW="1701800" imgH="1079500" progId="Equation.3">
+                <p:oleObj spid="_x0000_s11441" name="Формула" r:id="rId7" imgW="1701800" imgH="1079500" progId="Equation.3">
                   <p:embed/>
                 </p:oleObj>
               </mc:Choice>
@@ -11314,7 +11304,7 @@
           <a:graphicData uri="http://schemas.openxmlformats.org/presentationml/2006/ole">
             <mc:AlternateContent xmlns:mc="http://schemas.openxmlformats.org/markup-compatibility/2006">
               <mc:Choice xmlns:v="urn:schemas-microsoft-com:vml" Requires="v">
-                <p:oleObj spid="_x0000_s11437" name="Формула" r:id="rId9" imgW="1485900" imgH="711200" progId="Equation.3">
+                <p:oleObj spid="_x0000_s11442" name="Формула" r:id="rId9" imgW="1485900" imgH="711200" progId="Equation.3">
                   <p:embed/>
                 </p:oleObj>
               </mc:Choice>
@@ -11453,7 +11443,7 @@
           <a:graphicData uri="http://schemas.openxmlformats.org/presentationml/2006/ole">
             <mc:AlternateContent xmlns:mc="http://schemas.openxmlformats.org/markup-compatibility/2006">
               <mc:Choice xmlns:v="urn:schemas-microsoft-com:vml" Requires="v">
-                <p:oleObj spid="_x0000_s11438" name="Формула" r:id="rId11" imgW="1485900" imgH="292100" progId="Equation.3">
+                <p:oleObj spid="_x0000_s11443" name="Формула" r:id="rId11" imgW="1485900" imgH="292100" progId="Equation.3">
                   <p:embed/>
                 </p:oleObj>
               </mc:Choice>
@@ -11592,7 +11582,7 @@
           <a:graphicData uri="http://schemas.openxmlformats.org/presentationml/2006/ole">
             <mc:AlternateContent xmlns:mc="http://schemas.openxmlformats.org/markup-compatibility/2006">
               <mc:Choice xmlns:v="urn:schemas-microsoft-com:vml" Requires="v">
-                <p:oleObj spid="_x0000_s11439" name="Формула" r:id="rId13" imgW="774364" imgH="418918" progId="Equation.3">
+                <p:oleObj spid="_x0000_s11444" name="Формула" r:id="rId13" imgW="774364" imgH="418918" progId="Equation.3">
                   <p:embed/>
                 </p:oleObj>
               </mc:Choice>
@@ -12239,13 +12229,8 @@
             <a:pPr eaLnBrk="1" hangingPunct="1"/>
             <a:r>
               <a:rPr lang="ru-RU" sz="1000" dirty="0"/>
-              <a:t>Таблица </a:t>
-            </a:r>
-            <a:r>
-              <a:rPr lang="ru-RU" sz="1000" dirty="0"/>
-              <a:t>1</a:t>
-            </a:r>
-            <a:endParaRPr lang="ru-RU" sz="1000" dirty="0"/>
+              <a:t>Таблица 1</a:t>
+            </a:r>
           </a:p>
         </p:txBody>
       </p:sp>
@@ -12415,11 +12400,7 @@
             </a:r>
             <a:r>
               <a:rPr lang="ru-RU" sz="2000" dirty="0" smtClean="0"/>
-              <a:t>двухфазного алгоритма половинных </a:t>
-            </a:r>
-            <a:r>
-              <a:rPr lang="ru-RU" sz="2000" dirty="0" smtClean="0"/>
-              <a:t>делений.</a:t>
+              <a:t>двухфазного алгоритма половинных делений.</a:t>
             </a:r>
           </a:p>
           <a:p>
@@ -12451,11 +12432,7 @@
             </a:r>
             <a:r>
               <a:rPr lang="ru-RU" sz="2000" dirty="0" smtClean="0"/>
-              <a:t>давлений</a:t>
-            </a:r>
-            <a:r>
-              <a:rPr lang="ru-RU" sz="2000" dirty="0" smtClean="0"/>
-              <a:t>.</a:t>
+              <a:t>давлений.</a:t>
             </a:r>
           </a:p>
           <a:p>
@@ -12512,11 +12489,11 @@
   <p:clrMapOvr>
     <a:masterClrMapping/>
   </p:clrMapOvr>
-  <mc:AlternateContent xmlns:mc="http://schemas.openxmlformats.org/markup-compatibility/2006">
-    <mc:Choice xmlns:p14="http://schemas.microsoft.com/office/powerpoint/2010/main" Requires="p14">
+  <mc:AlternateContent xmlns:mc="http://schemas.openxmlformats.org/markup-compatibility/2006" xmlns:p14="http://schemas.microsoft.com/office/powerpoint/2010/main">
+    <mc:Choice Requires="p14">
       <p:transition spd="slow" p14:dur="2000" advTm="14758"/>
     </mc:Choice>
-    <mc:Fallback>
+    <mc:Fallback xmlns="">
       <p:transition spd="slow" advTm="14758"/>
     </mc:Fallback>
   </mc:AlternateContent>
@@ -12697,19 +12674,7 @@
           <a:p>
             <a:r>
               <a:rPr lang="ru-RU" sz="2150" dirty="0" smtClean="0"/>
-              <a:t>Цель – </a:t>
-            </a:r>
-            <a:r>
-              <a:rPr lang="ru-RU" sz="2150" dirty="0" smtClean="0"/>
-              <a:t>создание эффективного </a:t>
-            </a:r>
-            <a:r>
-              <a:rPr lang="ru-RU" sz="2150" dirty="0" smtClean="0"/>
-              <a:t>параллельного алгоритма глобальной </a:t>
-            </a:r>
-            <a:r>
-              <a:rPr lang="ru-RU" sz="2150" dirty="0" smtClean="0"/>
-              <a:t>оптимизации многоэкстремальных функций </a:t>
+              <a:t>Цель – создание эффективного параллельного алгоритма глобальной оптимизации многоэкстремальных функций </a:t>
             </a:r>
             <a:r>
               <a:rPr lang="ru-RU" sz="2150" dirty="0"/>
@@ -12719,16 +12684,11 @@
               <a:rPr lang="ru-RU" sz="2150" dirty="0" smtClean="0"/>
               <a:t>переменных. </a:t>
             </a:r>
-            <a:endParaRPr lang="ru-RU" sz="2150" dirty="0" smtClean="0"/>
           </a:p>
           <a:p>
             <a:r>
               <a:rPr lang="ru-RU" sz="2150" dirty="0" smtClean="0"/>
-              <a:t>Задачи</a:t>
-            </a:r>
-            <a:r>
-              <a:rPr lang="ru-RU" sz="2150" dirty="0" smtClean="0"/>
-              <a:t>:</a:t>
+              <a:t>Задачи:</a:t>
             </a:r>
           </a:p>
           <a:p>
@@ -12766,61 +12726,25 @@
               <a:rPr lang="ru-RU" sz="2000" dirty="0">
                 <a:ea typeface="+mn-ea"/>
               </a:rPr>
-              <a:t>разработка </a:t>
-            </a:r>
+              <a:t>разработка графического редактора, позволяющего создавать модели параллельных алгоритмов;</a:t>
+            </a:r>
+          </a:p>
+          <a:p>
+            <a:pPr lvl="1"/>
             <a:r>
               <a:rPr lang="ru-RU" sz="2000" dirty="0">
                 <a:ea typeface="+mn-ea"/>
               </a:rPr>
-              <a:t>графического редактора, позволяющего создавать модели параллельных </a:t>
-            </a:r>
+              <a:t>исследование эффективности алгоритма глобальной оптимизации модифицированным методом половинных делений;</a:t>
+            </a:r>
+          </a:p>
+          <a:p>
+            <a:pPr lvl="1"/>
             <a:r>
               <a:rPr lang="ru-RU" sz="2000" dirty="0">
                 <a:ea typeface="+mn-ea"/>
               </a:rPr>
-              <a:t>алгоритмов;</a:t>
-            </a:r>
-          </a:p>
-          <a:p>
-            <a:pPr lvl="1"/>
-            <a:r>
-              <a:rPr lang="ru-RU" sz="2000" dirty="0">
-                <a:ea typeface="+mn-ea"/>
-              </a:rPr>
-              <a:t>и</a:t>
-            </a:r>
-            <a:r>
-              <a:rPr lang="ru-RU" sz="2000" dirty="0">
-                <a:ea typeface="+mn-ea"/>
-              </a:rPr>
-              <a:t>сследование </a:t>
-            </a:r>
-            <a:r>
-              <a:rPr lang="ru-RU" sz="2000" dirty="0">
-                <a:ea typeface="+mn-ea"/>
-              </a:rPr>
-              <a:t>эффективности алгоритма глобальной оптимизации модифицированным методом половинных </a:t>
-            </a:r>
-            <a:r>
-              <a:rPr lang="ru-RU" sz="2000" dirty="0">
-                <a:ea typeface="+mn-ea"/>
-              </a:rPr>
-              <a:t>делений;</a:t>
-            </a:r>
-          </a:p>
-          <a:p>
-            <a:pPr lvl="1"/>
-            <a:r>
-              <a:rPr lang="ru-RU" sz="2000" dirty="0">
-                <a:ea typeface="+mn-ea"/>
-              </a:rPr>
-              <a:t>апробация алгоритма </a:t>
-            </a:r>
-            <a:r>
-              <a:rPr lang="ru-RU" sz="2000" dirty="0">
-                <a:ea typeface="+mn-ea"/>
-              </a:rPr>
-              <a:t>на реальной физической задаче, на примере задачи выбор оптимальных параметров гасителя пульсаций </a:t>
+              <a:t>апробация алгоритма на реальной физической задаче, на примере задачи выбор оптимальных параметров гасителя пульсаций </a:t>
             </a:r>
             <a:r>
               <a:rPr lang="ru-RU" sz="2000" dirty="0" smtClean="0"/>
@@ -12873,11 +12797,11 @@
   <p:clrMapOvr>
     <a:masterClrMapping/>
   </p:clrMapOvr>
-  <mc:AlternateContent xmlns:mc="http://schemas.openxmlformats.org/markup-compatibility/2006">
-    <mc:Choice xmlns:p14="http://schemas.microsoft.com/office/powerpoint/2010/main" Requires="p14">
+  <mc:AlternateContent xmlns:mc="http://schemas.openxmlformats.org/markup-compatibility/2006" xmlns:p14="http://schemas.microsoft.com/office/powerpoint/2010/main">
+    <mc:Choice Requires="p14">
       <p:transition spd="slow" p14:dur="2000" advTm="62153"/>
     </mc:Choice>
-    <mc:Fallback>
+    <mc:Fallback xmlns="">
       <p:transition spd="slow" advTm="62153"/>
     </mc:Fallback>
   </mc:AlternateContent>
@@ -12925,11 +12849,7 @@
           <a:p>
             <a:r>
               <a:rPr lang="ru-RU" dirty="0" smtClean="0"/>
-              <a:t>Постановка задачи глобальной </a:t>
-            </a:r>
-            <a:r>
-              <a:rPr lang="ru-RU" dirty="0" smtClean="0"/>
-              <a:t>оптимизации</a:t>
+              <a:t>Постановка задачи глобальной оптимизации</a:t>
             </a:r>
             <a:endParaRPr lang="ru-RU" dirty="0"/>
           </a:p>
@@ -13053,7 +12973,7 @@
           <a:graphicData uri="http://schemas.openxmlformats.org/presentationml/2006/ole">
             <mc:AlternateContent xmlns:mc="http://schemas.openxmlformats.org/markup-compatibility/2006">
               <mc:Choice xmlns:v="urn:schemas-microsoft-com:vml" Requires="v">
-                <p:oleObj spid="_x0000_s12318" name="Формула" r:id="rId4" imgW="2005729" imgH="355446" progId="Equation.3">
+                <p:oleObj spid="_x0000_s12325" name="Формула" r:id="rId4" imgW="2005729" imgH="355446" progId="Equation.3">
                   <p:embed/>
                 </p:oleObj>
               </mc:Choice>
@@ -13225,7 +13145,7 @@
           <a:graphicData uri="http://schemas.openxmlformats.org/presentationml/2006/ole">
             <mc:AlternateContent xmlns:mc="http://schemas.openxmlformats.org/markup-compatibility/2006">
               <mc:Choice xmlns:v="urn:schemas-microsoft-com:vml" Requires="v">
-                <p:oleObj spid="_x0000_s12319" name="Формула" r:id="rId6" imgW="888614" imgH="304668" progId="Equation.3">
+                <p:oleObj spid="_x0000_s12326" name="Формула" r:id="rId6" imgW="888614" imgH="304668" progId="Equation.3">
                   <p:embed/>
                 </p:oleObj>
               </mc:Choice>
@@ -13355,7 +13275,7 @@
           <a:graphicData uri="http://schemas.openxmlformats.org/presentationml/2006/ole">
             <mc:AlternateContent xmlns:mc="http://schemas.openxmlformats.org/markup-compatibility/2006">
               <mc:Choice xmlns:v="urn:schemas-microsoft-com:vml" Requires="v">
-                <p:oleObj spid="_x0000_s12320" name="Формула" r:id="rId8" imgW="583947" imgH="253890" progId="Equation.3">
+                <p:oleObj spid="_x0000_s12327" name="Формула" r:id="rId8" imgW="583947" imgH="253890" progId="Equation.3">
                   <p:embed/>
                 </p:oleObj>
               </mc:Choice>
@@ -13622,7 +13542,7 @@
           <a:graphicData uri="http://schemas.openxmlformats.org/presentationml/2006/ole">
             <mc:AlternateContent xmlns:mc="http://schemas.openxmlformats.org/markup-compatibility/2006">
               <mc:Choice xmlns:v="urn:schemas-microsoft-com:vml" Requires="v">
-                <p:oleObj spid="_x0000_s12321" name="Формула" r:id="rId10" imgW="634725" imgH="241195" progId="Equation.3">
+                <p:oleObj spid="_x0000_s12328" name="Формула" r:id="rId10" imgW="634725" imgH="241195" progId="Equation.3">
                   <p:embed/>
                 </p:oleObj>
               </mc:Choice>
@@ -13781,7 +13701,7 @@
           <a:graphicData uri="http://schemas.openxmlformats.org/presentationml/2006/ole">
             <mc:AlternateContent xmlns:mc="http://schemas.openxmlformats.org/markup-compatibility/2006">
               <mc:Choice xmlns:v="urn:schemas-microsoft-com:vml" Requires="v">
-                <p:oleObj spid="_x0000_s12322" name="Формула" r:id="rId12" imgW="889000" imgH="508000" progId="Equation.3">
+                <p:oleObj spid="_x0000_s12329" name="Формула" r:id="rId12" imgW="889000" imgH="508000" progId="Equation.3">
                   <p:embed/>
                 </p:oleObj>
               </mc:Choice>
@@ -14000,7 +13920,7 @@
           <a:graphicData uri="http://schemas.openxmlformats.org/presentationml/2006/ole">
             <mc:AlternateContent xmlns:mc="http://schemas.openxmlformats.org/markup-compatibility/2006">
               <mc:Choice xmlns:v="urn:schemas-microsoft-com:vml" Requires="v">
-                <p:oleObj spid="_x0000_s12323" name="Формула" r:id="rId14" imgW="2057400" imgH="304800" progId="Equation.3">
+                <p:oleObj spid="_x0000_s12330" name="Формула" r:id="rId14" imgW="2057400" imgH="304800" progId="Equation.3">
                   <p:embed/>
                 </p:oleObj>
               </mc:Choice>
@@ -14160,7 +14080,7 @@
           <a:graphicData uri="http://schemas.openxmlformats.org/presentationml/2006/ole">
             <mc:AlternateContent xmlns:mc="http://schemas.openxmlformats.org/markup-compatibility/2006">
               <mc:Choice xmlns:v="urn:schemas-microsoft-com:vml" Requires="v">
-                <p:oleObj spid="_x0000_s12324" name="Формула" r:id="rId16" imgW="279279" imgH="304668" progId="Equation.3">
+                <p:oleObj spid="_x0000_s12331" name="Формула" r:id="rId16" imgW="279279" imgH="304668" progId="Equation.3">
                   <p:embed/>
                 </p:oleObj>
               </mc:Choice>
@@ -14335,11 +14255,11 @@
   <p:clrMapOvr>
     <a:masterClrMapping/>
   </p:clrMapOvr>
-  <mc:AlternateContent xmlns:mc="http://schemas.openxmlformats.org/markup-compatibility/2006">
-    <mc:Choice xmlns:p14="http://schemas.microsoft.com/office/powerpoint/2010/main" Requires="p14">
+  <mc:AlternateContent xmlns:mc="http://schemas.openxmlformats.org/markup-compatibility/2006" xmlns:p14="http://schemas.microsoft.com/office/powerpoint/2010/main">
+    <mc:Choice Requires="p14">
       <p:transition spd="slow" p14:dur="2000" advTm="19647"/>
     </mc:Choice>
-    <mc:Fallback>
+    <mc:Fallback xmlns="">
       <p:transition spd="slow" advTm="19647"/>
     </mc:Fallback>
   </mc:AlternateContent>
@@ -14544,7 +14464,7 @@
           <a:graphicData uri="http://schemas.openxmlformats.org/presentationml/2006/ole">
             <mc:AlternateContent xmlns:mc="http://schemas.openxmlformats.org/markup-compatibility/2006">
               <mc:Choice xmlns:v="urn:schemas-microsoft-com:vml" Requires="v">
-                <p:oleObj spid="_x0000_s9891" name="Формула" r:id="rId5" imgW="1396800" imgH="279360" progId="Equation.3">
+                <p:oleObj spid="_x0000_s9896" name="Формула" r:id="rId5" imgW="1396800" imgH="279360" progId="Equation.3">
                   <p:embed/>
                 </p:oleObj>
               </mc:Choice>
@@ -14677,7 +14597,7 @@
           <a:graphicData uri="http://schemas.openxmlformats.org/presentationml/2006/ole">
             <mc:AlternateContent xmlns:mc="http://schemas.openxmlformats.org/markup-compatibility/2006">
               <mc:Choice xmlns:v="urn:schemas-microsoft-com:vml" Requires="v">
-                <p:oleObj spid="_x0000_s9892" name="Формула" r:id="rId7" imgW="507960" imgH="241200" progId="Equation.3">
+                <p:oleObj spid="_x0000_s9897" name="Формула" r:id="rId7" imgW="507960" imgH="241200" progId="Equation.3">
                   <p:embed/>
                 </p:oleObj>
               </mc:Choice>
@@ -14810,7 +14730,7 @@
           <a:graphicData uri="http://schemas.openxmlformats.org/presentationml/2006/ole">
             <mc:AlternateContent xmlns:mc="http://schemas.openxmlformats.org/markup-compatibility/2006">
               <mc:Choice xmlns:v="urn:schemas-microsoft-com:vml" Requires="v">
-                <p:oleObj spid="_x0000_s9893" name="Формула" r:id="rId9" imgW="2120760" imgH="279360" progId="Equation.3">
+                <p:oleObj spid="_x0000_s9898" name="Формула" r:id="rId9" imgW="2120760" imgH="279360" progId="Equation.3">
                   <p:embed/>
                 </p:oleObj>
               </mc:Choice>
@@ -15244,7 +15164,7 @@
           <a:graphicData uri="http://schemas.openxmlformats.org/presentationml/2006/ole">
             <mc:AlternateContent xmlns:mc="http://schemas.openxmlformats.org/markup-compatibility/2006">
               <mc:Choice xmlns:v="urn:schemas-microsoft-com:vml" Requires="v">
-                <p:oleObj spid="_x0000_s9894" name="Формула" r:id="rId11" imgW="1523880" imgH="253800" progId="Equation.3">
+                <p:oleObj spid="_x0000_s9899" name="Формула" r:id="rId11" imgW="1523880" imgH="253800" progId="Equation.3">
                   <p:embed/>
                 </p:oleObj>
               </mc:Choice>
@@ -15377,7 +15297,7 @@
           <a:graphicData uri="http://schemas.openxmlformats.org/presentationml/2006/ole">
             <mc:AlternateContent xmlns:mc="http://schemas.openxmlformats.org/markup-compatibility/2006">
               <mc:Choice xmlns:v="urn:schemas-microsoft-com:vml" Requires="v">
-                <p:oleObj spid="_x0000_s9895" name="Формула" r:id="rId13" imgW="1307880" imgH="228600" progId="Equation.3">
+                <p:oleObj spid="_x0000_s9900" name="Формула" r:id="rId13" imgW="1307880" imgH="228600" progId="Equation.3">
                   <p:embed/>
                 </p:oleObj>
               </mc:Choice>
@@ -15884,11 +15804,7 @@
           <a:p>
             <a:r>
               <a:rPr lang="ru-RU" sz="4000" dirty="0" smtClean="0"/>
-              <a:t>Модифицированный метод половинного </a:t>
-            </a:r>
-            <a:r>
-              <a:rPr lang="ru-RU" sz="4000" dirty="0" smtClean="0"/>
-              <a:t>деления</a:t>
+              <a:t>Модифицированный метод половинного деления</a:t>
             </a:r>
             <a:endParaRPr lang="ru-RU" sz="4000" dirty="0"/>
           </a:p>
@@ -16097,7 +16013,7 @@
           <a:graphicData uri="http://schemas.openxmlformats.org/presentationml/2006/ole">
             <mc:AlternateContent xmlns:mc="http://schemas.openxmlformats.org/markup-compatibility/2006">
               <mc:Choice xmlns:v="urn:schemas-microsoft-com:vml" Requires="v">
-                <p:oleObj spid="_x0000_s4880" name="Формула" r:id="rId5" imgW="2489040" imgH="507960" progId="Equation.3">
+                <p:oleObj spid="_x0000_s4883" name="Формула" r:id="rId5" imgW="2489040" imgH="507960" progId="Equation.3">
                   <p:embed/>
                 </p:oleObj>
               </mc:Choice>
@@ -16424,7 +16340,7 @@
           <a:graphicData uri="http://schemas.openxmlformats.org/presentationml/2006/ole">
             <mc:AlternateContent xmlns:mc="http://schemas.openxmlformats.org/markup-compatibility/2006">
               <mc:Choice xmlns:v="urn:schemas-microsoft-com:vml" Requires="v">
-                <p:oleObj spid="_x0000_s4881" name="Формула" r:id="rId7" imgW="1091726" imgH="520474" progId="Equation.3">
+                <p:oleObj spid="_x0000_s4884" name="Формула" r:id="rId7" imgW="1091726" imgH="520474" progId="Equation.3">
                   <p:embed/>
                 </p:oleObj>
               </mc:Choice>
@@ -16563,7 +16479,7 @@
           <a:graphicData uri="http://schemas.openxmlformats.org/presentationml/2006/ole">
             <mc:AlternateContent xmlns:mc="http://schemas.openxmlformats.org/markup-compatibility/2006">
               <mc:Choice xmlns:v="urn:schemas-microsoft-com:vml" Requires="v">
-                <p:oleObj spid="_x0000_s4882" name="Формула" r:id="rId9" imgW="1091880" imgH="495000" progId="Equation.3">
+                <p:oleObj spid="_x0000_s4885" name="Формула" r:id="rId9" imgW="1091880" imgH="495000" progId="Equation.3">
                   <p:embed/>
                 </p:oleObj>
               </mc:Choice>
@@ -16972,11 +16888,7 @@
           <a:p>
             <a:r>
               <a:rPr lang="ru-RU" sz="3200" dirty="0" smtClean="0"/>
-              <a:t>Двухфазный модифицированный метод половинного </a:t>
-            </a:r>
-            <a:r>
-              <a:rPr lang="ru-RU" sz="3200" dirty="0" smtClean="0"/>
-              <a:t>деления</a:t>
+              <a:t>Двухфазный модифицированный метод половинного деления</a:t>
             </a:r>
             <a:endParaRPr lang="ru-RU" sz="3200" dirty="0"/>
           </a:p>
@@ -16999,11 +16911,7 @@
           <a:p>
             <a:r>
               <a:rPr lang="ru-RU" sz="1800" dirty="0" smtClean="0"/>
-              <a:t>О функции известен радиус области притяжения глобального </a:t>
-            </a:r>
-            <a:r>
-              <a:rPr lang="ru-RU" sz="1800" dirty="0" smtClean="0"/>
-              <a:t>минимума </a:t>
+              <a:t>О функции известен радиус области притяжения глобального минимума </a:t>
             </a:r>
             <a:r>
               <a:rPr lang="el-GR" sz="1800" dirty="0" smtClean="0"/>
@@ -17017,7 +16925,6 @@
               <a:rPr lang="ru-RU" sz="1800" dirty="0" smtClean="0"/>
               <a:t>.</a:t>
             </a:r>
-            <a:endParaRPr lang="ru-RU" sz="1800" dirty="0" smtClean="0"/>
           </a:p>
           <a:p>
             <a:r>
@@ -17365,11 +17272,7 @@
           <a:p>
             <a:r>
               <a:rPr lang="ru-RU" sz="3600" dirty="0" smtClean="0"/>
-              <a:t>Технология графосимволического </a:t>
-            </a:r>
-            <a:r>
-              <a:rPr lang="ru-RU" sz="3600" dirty="0" smtClean="0"/>
-              <a:t>программирования</a:t>
+              <a:t>Технология графосимволического программирования</a:t>
             </a:r>
             <a:endParaRPr lang="ru-RU" sz="3600" dirty="0"/>
           </a:p>
@@ -18505,19 +18408,7 @@
               <a:rPr lang="ru-RU" sz="1100" dirty="0" smtClean="0">
                 <a:latin typeface="Calibri" pitchFamily="34" charset="0"/>
               </a:rPr>
-              <a:t>Базовая версия </a:t>
-            </a:r>
-            <a:r>
-              <a:rPr lang="ru-RU" sz="1100" dirty="0" smtClean="0">
-                <a:latin typeface="Calibri" pitchFamily="34" charset="0"/>
-              </a:rPr>
-              <a:t>двухфазного </a:t>
-            </a:r>
-            <a:r>
-              <a:rPr lang="ru-RU" sz="1100" dirty="0" smtClean="0">
-                <a:latin typeface="Calibri" pitchFamily="34" charset="0"/>
-              </a:rPr>
-              <a:t>параллельного алгоритма глобальной оптимизации</a:t>
+              <a:t>Базовая версия двухфазного параллельного алгоритма глобальной оптимизации</a:t>
             </a:r>
             <a:endParaRPr lang="ru-RU" dirty="0"/>
           </a:p>
